--- a/doc/sqa/SR2ML_SQA_Status_Dashboard.pptx
+++ b/doc/sqa/SR2ML_SQA_Status_Dashboard.pptx
@@ -302,7 +302,7 @@
           <a:p>
             <a:fld id="{E6D1C339-CAC1-4443-897F-22558BB31AC2}" type="datetimeFigureOut">
               <a:rPr lang="en-US" smtClean="0"/>
-              <a:t>1/16/20</a:t>
+              <a:t>2/19/20</a:t>
             </a:fld>
             <a:endParaRPr lang="en-US" dirty="0"/>
           </a:p>
@@ -470,7 +470,7 @@
           <a:p>
             <a:fld id="{E6D1C339-CAC1-4443-897F-22558BB31AC2}" type="datetimeFigureOut">
               <a:rPr lang="en-US" smtClean="0"/>
-              <a:t>1/16/20</a:t>
+              <a:t>2/19/20</a:t>
             </a:fld>
             <a:endParaRPr lang="en-US" dirty="0"/>
           </a:p>
@@ -648,7 +648,7 @@
           <a:p>
             <a:fld id="{E6D1C339-CAC1-4443-897F-22558BB31AC2}" type="datetimeFigureOut">
               <a:rPr lang="en-US" smtClean="0"/>
-              <a:t>1/16/20</a:t>
+              <a:t>2/19/20</a:t>
             </a:fld>
             <a:endParaRPr lang="en-US" dirty="0"/>
           </a:p>
@@ -816,7 +816,7 @@
           <a:p>
             <a:fld id="{E6D1C339-CAC1-4443-897F-22558BB31AC2}" type="datetimeFigureOut">
               <a:rPr lang="en-US" smtClean="0"/>
-              <a:t>1/16/20</a:t>
+              <a:t>2/19/20</a:t>
             </a:fld>
             <a:endParaRPr lang="en-US" dirty="0"/>
           </a:p>
@@ -1061,7 +1061,7 @@
           <a:p>
             <a:fld id="{E6D1C339-CAC1-4443-897F-22558BB31AC2}" type="datetimeFigureOut">
               <a:rPr lang="en-US" smtClean="0"/>
-              <a:t>1/16/20</a:t>
+              <a:t>2/19/20</a:t>
             </a:fld>
             <a:endParaRPr lang="en-US" dirty="0"/>
           </a:p>
@@ -1346,7 +1346,7 @@
           <a:p>
             <a:fld id="{E6D1C339-CAC1-4443-897F-22558BB31AC2}" type="datetimeFigureOut">
               <a:rPr lang="en-US" smtClean="0"/>
-              <a:t>1/16/20</a:t>
+              <a:t>2/19/20</a:t>
             </a:fld>
             <a:endParaRPr lang="en-US" dirty="0"/>
           </a:p>
@@ -1765,7 +1765,7 @@
           <a:p>
             <a:fld id="{E6D1C339-CAC1-4443-897F-22558BB31AC2}" type="datetimeFigureOut">
               <a:rPr lang="en-US" smtClean="0"/>
-              <a:t>1/16/20</a:t>
+              <a:t>2/19/20</a:t>
             </a:fld>
             <a:endParaRPr lang="en-US" dirty="0"/>
           </a:p>
@@ -1882,7 +1882,7 @@
           <a:p>
             <a:fld id="{E6D1C339-CAC1-4443-897F-22558BB31AC2}" type="datetimeFigureOut">
               <a:rPr lang="en-US" smtClean="0"/>
-              <a:t>1/16/20</a:t>
+              <a:t>2/19/20</a:t>
             </a:fld>
             <a:endParaRPr lang="en-US" dirty="0"/>
           </a:p>
@@ -1977,7 +1977,7 @@
           <a:p>
             <a:fld id="{E6D1C339-CAC1-4443-897F-22558BB31AC2}" type="datetimeFigureOut">
               <a:rPr lang="en-US" smtClean="0"/>
-              <a:t>1/16/20</a:t>
+              <a:t>2/19/20</a:t>
             </a:fld>
             <a:endParaRPr lang="en-US" dirty="0"/>
           </a:p>
@@ -2252,7 +2252,7 @@
           <a:p>
             <a:fld id="{E6D1C339-CAC1-4443-897F-22558BB31AC2}" type="datetimeFigureOut">
               <a:rPr lang="en-US" smtClean="0"/>
-              <a:t>1/16/20</a:t>
+              <a:t>2/19/20</a:t>
             </a:fld>
             <a:endParaRPr lang="en-US" dirty="0"/>
           </a:p>
@@ -2504,7 +2504,7 @@
           <a:p>
             <a:fld id="{E6D1C339-CAC1-4443-897F-22558BB31AC2}" type="datetimeFigureOut">
               <a:rPr lang="en-US" smtClean="0"/>
-              <a:t>1/16/20</a:t>
+              <a:t>2/19/20</a:t>
             </a:fld>
             <a:endParaRPr lang="en-US" dirty="0"/>
           </a:p>
@@ -2715,7 +2715,7 @@
           <a:p>
             <a:fld id="{E6D1C339-CAC1-4443-897F-22558BB31AC2}" type="datetimeFigureOut">
               <a:rPr lang="en-US" smtClean="0"/>
-              <a:t>1/16/20</a:t>
+              <a:t>2/19/20</a:t>
             </a:fld>
             <a:endParaRPr lang="en-US" dirty="0"/>
           </a:p>
@@ -6296,7 +6296,7 @@
         <p:spPr>
           <a:xfrm>
             <a:off x="1884358" y="5832381"/>
-            <a:ext cx="1773242" cy="707886"/>
+            <a:ext cx="1795684" cy="707886"/>
           </a:xfrm>
           <a:prstGeom prst="rect">
             <a:avLst/>
@@ -6311,24 +6311,27 @@
           <a:p>
             <a:r>
               <a:rPr lang="en-US" sz="1000" dirty="0"/>
-              <a:t>Owner:  Cristian </a:t>
+              <a:t>Owner:  Diego </a:t>
             </a:r>
             <a:r>
               <a:rPr lang="en-US" sz="1000" dirty="0" err="1"/>
-              <a:t>Rabiti</a:t>
+              <a:t>Mandelli</a:t>
             </a:r>
             <a:endParaRPr lang="en-US" sz="1000" dirty="0"/>
           </a:p>
           <a:p>
             <a:r>
               <a:rPr lang="en-US" sz="1000" dirty="0"/>
-              <a:t>Technical Lead: Andrea </a:t>
+              <a:t>Technical Lead: </a:t>
             </a:r>
             <a:r>
               <a:rPr lang="en-US" sz="1000" dirty="0" err="1"/>
-              <a:t>Alfonsi</a:t>
-            </a:r>
-            <a:endParaRPr lang="en-US" sz="1000" dirty="0"/>
+              <a:t>Congjian</a:t>
+            </a:r>
+            <a:r>
+              <a:rPr lang="en-US" sz="1000" dirty="0"/>
+              <a:t> Wang</a:t>
+            </a:r>
           </a:p>
           <a:p>
             <a:r>

--- a/doc/sqa/SR2ML_SQA_Status_Dashboard.pptx
+++ b/doc/sqa/SR2ML_SQA_Status_Dashboard.pptx
@@ -302,7 +302,7 @@
           <a:p>
             <a:fld id="{E6D1C339-CAC1-4443-897F-22558BB31AC2}" type="datetimeFigureOut">
               <a:rPr lang="en-US" smtClean="0"/>
-              <a:t>2/19/20</a:t>
+              <a:t>11/30/20</a:t>
             </a:fld>
             <a:endParaRPr lang="en-US" dirty="0"/>
           </a:p>
@@ -470,7 +470,7 @@
           <a:p>
             <a:fld id="{E6D1C339-CAC1-4443-897F-22558BB31AC2}" type="datetimeFigureOut">
               <a:rPr lang="en-US" smtClean="0"/>
-              <a:t>2/19/20</a:t>
+              <a:t>11/30/20</a:t>
             </a:fld>
             <a:endParaRPr lang="en-US" dirty="0"/>
           </a:p>
@@ -648,7 +648,7 @@
           <a:p>
             <a:fld id="{E6D1C339-CAC1-4443-897F-22558BB31AC2}" type="datetimeFigureOut">
               <a:rPr lang="en-US" smtClean="0"/>
-              <a:t>2/19/20</a:t>
+              <a:t>11/30/20</a:t>
             </a:fld>
             <a:endParaRPr lang="en-US" dirty="0"/>
           </a:p>
@@ -816,7 +816,7 @@
           <a:p>
             <a:fld id="{E6D1C339-CAC1-4443-897F-22558BB31AC2}" type="datetimeFigureOut">
               <a:rPr lang="en-US" smtClean="0"/>
-              <a:t>2/19/20</a:t>
+              <a:t>11/30/20</a:t>
             </a:fld>
             <a:endParaRPr lang="en-US" dirty="0"/>
           </a:p>
@@ -1061,7 +1061,7 @@
           <a:p>
             <a:fld id="{E6D1C339-CAC1-4443-897F-22558BB31AC2}" type="datetimeFigureOut">
               <a:rPr lang="en-US" smtClean="0"/>
-              <a:t>2/19/20</a:t>
+              <a:t>11/30/20</a:t>
             </a:fld>
             <a:endParaRPr lang="en-US" dirty="0"/>
           </a:p>
@@ -1346,7 +1346,7 @@
           <a:p>
             <a:fld id="{E6D1C339-CAC1-4443-897F-22558BB31AC2}" type="datetimeFigureOut">
               <a:rPr lang="en-US" smtClean="0"/>
-              <a:t>2/19/20</a:t>
+              <a:t>11/30/20</a:t>
             </a:fld>
             <a:endParaRPr lang="en-US" dirty="0"/>
           </a:p>
@@ -1765,7 +1765,7 @@
           <a:p>
             <a:fld id="{E6D1C339-CAC1-4443-897F-22558BB31AC2}" type="datetimeFigureOut">
               <a:rPr lang="en-US" smtClean="0"/>
-              <a:t>2/19/20</a:t>
+              <a:t>11/30/20</a:t>
             </a:fld>
             <a:endParaRPr lang="en-US" dirty="0"/>
           </a:p>
@@ -1882,7 +1882,7 @@
           <a:p>
             <a:fld id="{E6D1C339-CAC1-4443-897F-22558BB31AC2}" type="datetimeFigureOut">
               <a:rPr lang="en-US" smtClean="0"/>
-              <a:t>2/19/20</a:t>
+              <a:t>11/30/20</a:t>
             </a:fld>
             <a:endParaRPr lang="en-US" dirty="0"/>
           </a:p>
@@ -1977,7 +1977,7 @@
           <a:p>
             <a:fld id="{E6D1C339-CAC1-4443-897F-22558BB31AC2}" type="datetimeFigureOut">
               <a:rPr lang="en-US" smtClean="0"/>
-              <a:t>2/19/20</a:t>
+              <a:t>11/30/20</a:t>
             </a:fld>
             <a:endParaRPr lang="en-US" dirty="0"/>
           </a:p>
@@ -2252,7 +2252,7 @@
           <a:p>
             <a:fld id="{E6D1C339-CAC1-4443-897F-22558BB31AC2}" type="datetimeFigureOut">
               <a:rPr lang="en-US" smtClean="0"/>
-              <a:t>2/19/20</a:t>
+              <a:t>11/30/20</a:t>
             </a:fld>
             <a:endParaRPr lang="en-US" dirty="0"/>
           </a:p>
@@ -2504,7 +2504,7 @@
           <a:p>
             <a:fld id="{E6D1C339-CAC1-4443-897F-22558BB31AC2}" type="datetimeFigureOut">
               <a:rPr lang="en-US" smtClean="0"/>
-              <a:t>2/19/20</a:t>
+              <a:t>11/30/20</a:t>
             </a:fld>
             <a:endParaRPr lang="en-US" dirty="0"/>
           </a:p>
@@ -2715,7 +2715,7 @@
           <a:p>
             <a:fld id="{E6D1C339-CAC1-4443-897F-22558BB31AC2}" type="datetimeFigureOut">
               <a:rPr lang="en-US" smtClean="0"/>
-              <a:t>2/19/20</a:t>
+              <a:t>11/30/20</a:t>
             </a:fld>
             <a:endParaRPr lang="en-US" dirty="0"/>
           </a:p>
@@ -3950,7 +3950,7 @@
         <p:spPr>
           <a:xfrm>
             <a:off x="763121" y="2404404"/>
-            <a:ext cx="891591" cy="646331"/>
+            <a:ext cx="891591" cy="784830"/>
           </a:xfrm>
           <a:prstGeom prst="rect">
             <a:avLst/>
@@ -3991,7 +3991,18 @@
                   <a:schemeClr val="bg1"/>
                 </a:solidFill>
               </a:rPr>
-              <a:t>SR2ML Safety </a:t>
+              <a:t>SR2ML </a:t>
+            </a:r>
+          </a:p>
+          <a:p>
+            <a:pPr algn="ctr"/>
+            <a:r>
+              <a:rPr lang="en-US" sz="900" b="1" dirty="0">
+                <a:solidFill>
+                  <a:schemeClr val="bg1"/>
+                </a:solidFill>
+              </a:rPr>
+              <a:t>Safety </a:t>
             </a:r>
             <a:br>
               <a:rPr lang="en-US" sz="900" b="1" dirty="0">
@@ -4058,8 +4069,8 @@
         </p:nvSpPr>
         <p:spPr>
           <a:xfrm>
-            <a:off x="780486" y="3318804"/>
-            <a:ext cx="898002" cy="646331"/>
+            <a:off x="783691" y="3318804"/>
+            <a:ext cx="891591" cy="784830"/>
           </a:xfrm>
           <a:prstGeom prst="rect">
             <a:avLst/>
@@ -4100,7 +4111,18 @@
                   <a:schemeClr val="bg1"/>
                 </a:solidFill>
               </a:rPr>
-              <a:t>SR2ML Quality</a:t>
+              <a:t>SR2ML </a:t>
+            </a:r>
+          </a:p>
+          <a:p>
+            <a:pPr algn="ctr"/>
+            <a:r>
+              <a:rPr lang="en-US" sz="900" b="1" dirty="0">
+                <a:solidFill>
+                  <a:schemeClr val="bg1"/>
+                </a:solidFill>
+              </a:rPr>
+              <a:t>Quality</a:t>
             </a:r>
             <a:br>
               <a:rPr lang="en-US" sz="900" b="1" dirty="0">
@@ -5529,7 +5551,7 @@
                   <a:schemeClr val="bg1"/>
                 </a:solidFill>
               </a:rPr>
-              <a:t>xxxx</a:t>
+              <a:t>xxxxx</a:t>
             </a:r>
             <a:r>
               <a:rPr lang="en-US" sz="900" b="1" dirty="0">
@@ -6949,13 +6971,9 @@
               </a:rPr>
               <a:t>SR2ML</a:t>
             </a:r>
-            <a:br>
-              <a:rPr lang="en-US" sz="900" b="1" dirty="0">
-                <a:solidFill>
-                  <a:schemeClr val="bg1"/>
-                </a:solidFill>
-              </a:rPr>
-            </a:br>
+          </a:p>
+          <a:p>
+            <a:pPr algn="ctr"/>
             <a:r>
               <a:rPr lang="en-US" sz="900" b="1" dirty="0">
                 <a:solidFill>

--- a/doc/sqa/SR2ML_SQA_Status_Dashboard.pptx
+++ b/doc/sqa/SR2ML_SQA_Status_Dashboard.pptx
@@ -302,7 +302,7 @@
           <a:p>
             <a:fld id="{E6D1C339-CAC1-4443-897F-22558BB31AC2}" type="datetimeFigureOut">
               <a:rPr lang="en-US" smtClean="0"/>
-              <a:t>11/30/20</a:t>
+              <a:t>1/12/21</a:t>
             </a:fld>
             <a:endParaRPr lang="en-US" dirty="0"/>
           </a:p>
@@ -470,7 +470,7 @@
           <a:p>
             <a:fld id="{E6D1C339-CAC1-4443-897F-22558BB31AC2}" type="datetimeFigureOut">
               <a:rPr lang="en-US" smtClean="0"/>
-              <a:t>11/30/20</a:t>
+              <a:t>1/12/21</a:t>
             </a:fld>
             <a:endParaRPr lang="en-US" dirty="0"/>
           </a:p>
@@ -648,7 +648,7 @@
           <a:p>
             <a:fld id="{E6D1C339-CAC1-4443-897F-22558BB31AC2}" type="datetimeFigureOut">
               <a:rPr lang="en-US" smtClean="0"/>
-              <a:t>11/30/20</a:t>
+              <a:t>1/12/21</a:t>
             </a:fld>
             <a:endParaRPr lang="en-US" dirty="0"/>
           </a:p>
@@ -816,7 +816,7 @@
           <a:p>
             <a:fld id="{E6D1C339-CAC1-4443-897F-22558BB31AC2}" type="datetimeFigureOut">
               <a:rPr lang="en-US" smtClean="0"/>
-              <a:t>11/30/20</a:t>
+              <a:t>1/12/21</a:t>
             </a:fld>
             <a:endParaRPr lang="en-US" dirty="0"/>
           </a:p>
@@ -1061,7 +1061,7 @@
           <a:p>
             <a:fld id="{E6D1C339-CAC1-4443-897F-22558BB31AC2}" type="datetimeFigureOut">
               <a:rPr lang="en-US" smtClean="0"/>
-              <a:t>11/30/20</a:t>
+              <a:t>1/12/21</a:t>
             </a:fld>
             <a:endParaRPr lang="en-US" dirty="0"/>
           </a:p>
@@ -1346,7 +1346,7 @@
           <a:p>
             <a:fld id="{E6D1C339-CAC1-4443-897F-22558BB31AC2}" type="datetimeFigureOut">
               <a:rPr lang="en-US" smtClean="0"/>
-              <a:t>11/30/20</a:t>
+              <a:t>1/12/21</a:t>
             </a:fld>
             <a:endParaRPr lang="en-US" dirty="0"/>
           </a:p>
@@ -1765,7 +1765,7 @@
           <a:p>
             <a:fld id="{E6D1C339-CAC1-4443-897F-22558BB31AC2}" type="datetimeFigureOut">
               <a:rPr lang="en-US" smtClean="0"/>
-              <a:t>11/30/20</a:t>
+              <a:t>1/12/21</a:t>
             </a:fld>
             <a:endParaRPr lang="en-US" dirty="0"/>
           </a:p>
@@ -1882,7 +1882,7 @@
           <a:p>
             <a:fld id="{E6D1C339-CAC1-4443-897F-22558BB31AC2}" type="datetimeFigureOut">
               <a:rPr lang="en-US" smtClean="0"/>
-              <a:t>11/30/20</a:t>
+              <a:t>1/12/21</a:t>
             </a:fld>
             <a:endParaRPr lang="en-US" dirty="0"/>
           </a:p>
@@ -1977,7 +1977,7 @@
           <a:p>
             <a:fld id="{E6D1C339-CAC1-4443-897F-22558BB31AC2}" type="datetimeFigureOut">
               <a:rPr lang="en-US" smtClean="0"/>
-              <a:t>11/30/20</a:t>
+              <a:t>1/12/21</a:t>
             </a:fld>
             <a:endParaRPr lang="en-US" dirty="0"/>
           </a:p>
@@ -2252,7 +2252,7 @@
           <a:p>
             <a:fld id="{E6D1C339-CAC1-4443-897F-22558BB31AC2}" type="datetimeFigureOut">
               <a:rPr lang="en-US" smtClean="0"/>
-              <a:t>11/30/20</a:t>
+              <a:t>1/12/21</a:t>
             </a:fld>
             <a:endParaRPr lang="en-US" dirty="0"/>
           </a:p>
@@ -2504,7 +2504,7 @@
           <a:p>
             <a:fld id="{E6D1C339-CAC1-4443-897F-22558BB31AC2}" type="datetimeFigureOut">
               <a:rPr lang="en-US" smtClean="0"/>
-              <a:t>11/30/20</a:t>
+              <a:t>1/12/21</a:t>
             </a:fld>
             <a:endParaRPr lang="en-US" dirty="0"/>
           </a:p>
@@ -2715,7 +2715,7 @@
           <a:p>
             <a:fld id="{E6D1C339-CAC1-4443-897F-22558BB31AC2}" type="datetimeFigureOut">
               <a:rPr lang="en-US" smtClean="0"/>
-              <a:t>11/30/20</a:t>
+              <a:t>1/12/21</a:t>
             </a:fld>
             <a:endParaRPr lang="en-US" dirty="0"/>
           </a:p>
@@ -4565,15 +4565,7 @@
                   <a:schemeClr val="bg1"/>
                 </a:solidFill>
               </a:rPr>
-              <a:t>SPC-</a:t>
-            </a:r>
-            <a:r>
-              <a:rPr lang="en-US" sz="900" b="1" dirty="0" err="1">
-                <a:solidFill>
-                  <a:schemeClr val="bg1"/>
-                </a:solidFill>
-              </a:rPr>
-              <a:t>xxxx</a:t>
+              <a:t>SPC-2980</a:t>
             </a:r>
             <a:endParaRPr lang="en-US" sz="900" dirty="0">
               <a:solidFill>
@@ -4799,7 +4791,7 @@
                   <a:schemeClr val="bg1"/>
                 </a:solidFill>
               </a:rPr>
-              <a:t>SDD-xxx</a:t>
+              <a:t>SDD-560</a:t>
             </a:r>
           </a:p>
         </p:txBody>
@@ -5543,23 +5535,7 @@
                   <a:schemeClr val="bg1"/>
                 </a:solidFill>
               </a:rPr>
-              <a:t>INL/EXT-xx-</a:t>
-            </a:r>
-            <a:r>
-              <a:rPr lang="en-US" sz="900" b="1" dirty="0" err="1">
-                <a:solidFill>
-                  <a:schemeClr val="bg1"/>
-                </a:solidFill>
-              </a:rPr>
-              <a:t>xxxxx</a:t>
-            </a:r>
-            <a:r>
-              <a:rPr lang="en-US" sz="900" b="1" dirty="0">
-                <a:solidFill>
-                  <a:schemeClr val="bg1"/>
-                </a:solidFill>
-              </a:rPr>
-              <a:t> </a:t>
+              <a:t>INL/EXT-20-57857 </a:t>
             </a:r>
           </a:p>
         </p:txBody>
@@ -6709,21 +6685,8 @@
                   <a:schemeClr val="bg1"/>
                 </a:solidFill>
               </a:rPr>
-              <a:t>SPC-</a:t>
-            </a:r>
-            <a:r>
-              <a:rPr lang="en-US" sz="900" b="1" dirty="0" err="1">
-                <a:solidFill>
-                  <a:schemeClr val="bg1"/>
-                </a:solidFill>
-              </a:rPr>
-              <a:t>xxxx</a:t>
-            </a:r>
-            <a:endParaRPr lang="en-US" sz="900" b="1" dirty="0">
-              <a:solidFill>
-                <a:schemeClr val="bg1"/>
-              </a:solidFill>
-            </a:endParaRPr>
+              <a:t>SPC-2980</a:t>
+            </a:r>
           </a:p>
           <a:p>
             <a:pPr algn="ctr"/>
@@ -7159,21 +7122,8 @@
                   <a:schemeClr val="bg1"/>
                 </a:solidFill>
               </a:rPr>
-              <a:t>LST-</a:t>
-            </a:r>
-            <a:r>
-              <a:rPr lang="en-US" sz="900" b="1" dirty="0" err="1">
-                <a:solidFill>
-                  <a:schemeClr val="bg1"/>
-                </a:solidFill>
-              </a:rPr>
-              <a:t>xxxx</a:t>
-            </a:r>
-            <a:endParaRPr lang="en-US" sz="900" b="1" dirty="0">
-              <a:solidFill>
-                <a:schemeClr val="bg1"/>
-              </a:solidFill>
-            </a:endParaRPr>
+              <a:t>LST-1292</a:t>
+            </a:r>
           </a:p>
         </p:txBody>
       </p:sp>

--- a/doc/sqa/SR2ML_SQA_Status_Dashboard.pptx
+++ b/doc/sqa/SR2ML_SQA_Status_Dashboard.pptx
@@ -302,7 +302,7 @@
           <a:p>
             <a:fld id="{E6D1C339-CAC1-4443-897F-22558BB31AC2}" type="datetimeFigureOut">
               <a:rPr lang="en-US" smtClean="0"/>
-              <a:t>1/12/21</a:t>
+              <a:t>5/27/21</a:t>
             </a:fld>
             <a:endParaRPr lang="en-US" dirty="0"/>
           </a:p>
@@ -470,7 +470,7 @@
           <a:p>
             <a:fld id="{E6D1C339-CAC1-4443-897F-22558BB31AC2}" type="datetimeFigureOut">
               <a:rPr lang="en-US" smtClean="0"/>
-              <a:t>1/12/21</a:t>
+              <a:t>5/27/21</a:t>
             </a:fld>
             <a:endParaRPr lang="en-US" dirty="0"/>
           </a:p>
@@ -648,7 +648,7 @@
           <a:p>
             <a:fld id="{E6D1C339-CAC1-4443-897F-22558BB31AC2}" type="datetimeFigureOut">
               <a:rPr lang="en-US" smtClean="0"/>
-              <a:t>1/12/21</a:t>
+              <a:t>5/27/21</a:t>
             </a:fld>
             <a:endParaRPr lang="en-US" dirty="0"/>
           </a:p>
@@ -816,7 +816,7 @@
           <a:p>
             <a:fld id="{E6D1C339-CAC1-4443-897F-22558BB31AC2}" type="datetimeFigureOut">
               <a:rPr lang="en-US" smtClean="0"/>
-              <a:t>1/12/21</a:t>
+              <a:t>5/27/21</a:t>
             </a:fld>
             <a:endParaRPr lang="en-US" dirty="0"/>
           </a:p>
@@ -1061,7 +1061,7 @@
           <a:p>
             <a:fld id="{E6D1C339-CAC1-4443-897F-22558BB31AC2}" type="datetimeFigureOut">
               <a:rPr lang="en-US" smtClean="0"/>
-              <a:t>1/12/21</a:t>
+              <a:t>5/27/21</a:t>
             </a:fld>
             <a:endParaRPr lang="en-US" dirty="0"/>
           </a:p>
@@ -1346,7 +1346,7 @@
           <a:p>
             <a:fld id="{E6D1C339-CAC1-4443-897F-22558BB31AC2}" type="datetimeFigureOut">
               <a:rPr lang="en-US" smtClean="0"/>
-              <a:t>1/12/21</a:t>
+              <a:t>5/27/21</a:t>
             </a:fld>
             <a:endParaRPr lang="en-US" dirty="0"/>
           </a:p>
@@ -1765,7 +1765,7 @@
           <a:p>
             <a:fld id="{E6D1C339-CAC1-4443-897F-22558BB31AC2}" type="datetimeFigureOut">
               <a:rPr lang="en-US" smtClean="0"/>
-              <a:t>1/12/21</a:t>
+              <a:t>5/27/21</a:t>
             </a:fld>
             <a:endParaRPr lang="en-US" dirty="0"/>
           </a:p>
@@ -1882,7 +1882,7 @@
           <a:p>
             <a:fld id="{E6D1C339-CAC1-4443-897F-22558BB31AC2}" type="datetimeFigureOut">
               <a:rPr lang="en-US" smtClean="0"/>
-              <a:t>1/12/21</a:t>
+              <a:t>5/27/21</a:t>
             </a:fld>
             <a:endParaRPr lang="en-US" dirty="0"/>
           </a:p>
@@ -1977,7 +1977,7 @@
           <a:p>
             <a:fld id="{E6D1C339-CAC1-4443-897F-22558BB31AC2}" type="datetimeFigureOut">
               <a:rPr lang="en-US" smtClean="0"/>
-              <a:t>1/12/21</a:t>
+              <a:t>5/27/21</a:t>
             </a:fld>
             <a:endParaRPr lang="en-US" dirty="0"/>
           </a:p>
@@ -2252,7 +2252,7 @@
           <a:p>
             <a:fld id="{E6D1C339-CAC1-4443-897F-22558BB31AC2}" type="datetimeFigureOut">
               <a:rPr lang="en-US" smtClean="0"/>
-              <a:t>1/12/21</a:t>
+              <a:t>5/27/21</a:t>
             </a:fld>
             <a:endParaRPr lang="en-US" dirty="0"/>
           </a:p>
@@ -2504,7 +2504,7 @@
           <a:p>
             <a:fld id="{E6D1C339-CAC1-4443-897F-22558BB31AC2}" type="datetimeFigureOut">
               <a:rPr lang="en-US" smtClean="0"/>
-              <a:t>1/12/21</a:t>
+              <a:t>5/27/21</a:t>
             </a:fld>
             <a:endParaRPr lang="en-US" dirty="0"/>
           </a:p>
@@ -2715,7 +2715,7 @@
           <a:p>
             <a:fld id="{E6D1C339-CAC1-4443-897F-22558BB31AC2}" type="datetimeFigureOut">
               <a:rPr lang="en-US" smtClean="0"/>
-              <a:t>1/12/21</a:t>
+              <a:t>5/27/21</a:t>
             </a:fld>
             <a:endParaRPr lang="en-US" dirty="0"/>
           </a:p>
@@ -3388,7 +3388,7 @@
             <a:avLst/>
           </a:prstGeom>
           <a:solidFill>
-            <a:srgbClr val="FFC000"/>
+            <a:srgbClr val="00D200"/>
           </a:solidFill>
           <a:ln>
             <a:noFill/>
@@ -3452,7 +3452,7 @@
             <a:avLst/>
           </a:prstGeom>
           <a:solidFill>
-            <a:srgbClr val="FFC000"/>
+            <a:srgbClr val="00D200"/>
           </a:solidFill>
           <a:ln>
             <a:noFill/>
@@ -6157,7 +6157,7 @@
             <a:pPr algn="ctr"/>
             <a:r>
               <a:rPr lang="en-US" sz="600" dirty="0"/>
-              <a:t>QL-2</a:t>
+              <a:t>QL-3</a:t>
             </a:r>
           </a:p>
         </p:txBody>
@@ -6531,7 +6531,7 @@
             <a:avLst/>
           </a:prstGeom>
           <a:solidFill>
-            <a:srgbClr val="FFC000"/>
+            <a:srgbClr val="00D200"/>
           </a:solidFill>
           <a:ln>
             <a:noFill/>
@@ -6863,7 +6863,7 @@
         <p:spPr>
           <a:xfrm>
             <a:off x="762000" y="1015177"/>
-            <a:ext cx="809837" cy="246221"/>
+            <a:ext cx="906017" cy="246221"/>
           </a:xfrm>
           <a:prstGeom prst="rect">
             <a:avLst/>
@@ -6878,7 +6878,7 @@
           <a:p>
             <a:r>
               <a:rPr lang="en-US" sz="1000" dirty="0"/>
-              <a:t>12/01/2018</a:t>
+              <a:t>May/27/2021</a:t>
             </a:r>
           </a:p>
         </p:txBody>
@@ -7001,13 +7001,13 @@
         <p:spPr>
           <a:xfrm>
             <a:off x="4721059" y="5095185"/>
-            <a:ext cx="997652" cy="1023763"/>
+            <a:ext cx="997652" cy="1211794"/>
           </a:xfrm>
           <a:prstGeom prst="flowChartDocument">
             <a:avLst/>
           </a:prstGeom>
           <a:solidFill>
-            <a:srgbClr val="FFC000"/>
+            <a:srgbClr val="00D200"/>
           </a:solidFill>
           <a:ln>
             <a:noFill/>

--- a/doc/sqa/SR2ML_SQA_Status_Dashboard.pptx
+++ b/doc/sqa/SR2ML_SQA_Status_Dashboard.pptx
@@ -3580,7 +3580,7 @@
             <a:avLst/>
           </a:prstGeom>
           <a:solidFill>
-            <a:srgbClr val="FFC000"/>
+            <a:srgbClr val="00D200"/>
           </a:solidFill>
           <a:ln>
             <a:noFill/>
@@ -3765,7 +3765,7 @@
             <a:avLst/>
           </a:prstGeom>
           <a:solidFill>
-            <a:srgbClr val="FFC000"/>
+            <a:srgbClr val="00D200"/>
           </a:solidFill>
           <a:ln>
             <a:noFill/>
@@ -4043,21 +4043,8 @@
                   <a:schemeClr val="bg1"/>
                 </a:solidFill>
               </a:rPr>
-              <a:t>SSD-</a:t>
-            </a:r>
-            <a:r>
-              <a:rPr lang="en-US" sz="900" b="1" dirty="0" err="1">
-                <a:solidFill>
-                  <a:schemeClr val="bg1"/>
-                </a:solidFill>
-              </a:rPr>
-              <a:t>xxxxx</a:t>
-            </a:r>
-            <a:endParaRPr lang="en-US" sz="900" b="1" dirty="0">
-              <a:solidFill>
-                <a:schemeClr val="bg1"/>
-              </a:solidFill>
-            </a:endParaRPr>
+              <a:t>SSD-000763</a:t>
+            </a:r>
           </a:p>
         </p:txBody>
       </p:sp>
@@ -4070,7 +4057,7 @@
         <p:spPr>
           <a:xfrm>
             <a:off x="783691" y="3318804"/>
-            <a:ext cx="891591" cy="784830"/>
+            <a:ext cx="891591" cy="923330"/>
           </a:xfrm>
           <a:prstGeom prst="rect">
             <a:avLst/>
@@ -4153,6 +4140,17 @@
                 </a:solidFill>
               </a:rPr>
               <a:t>Determination</a:t>
+            </a:r>
+          </a:p>
+          <a:p>
+            <a:pPr algn="ctr"/>
+            <a:r>
+              <a:rPr lang="en-US" sz="900" b="1" dirty="0">
+                <a:solidFill>
+                  <a:schemeClr val="bg1"/>
+                </a:solidFill>
+              </a:rPr>
+              <a:t>REC-000436</a:t>
             </a:r>
             <a:br>
               <a:rPr lang="en-US" sz="900" b="1" dirty="0">

--- a/doc/sqa/SR2ML_SQA_Status_Dashboard.pptx
+++ b/doc/sqa/SR2ML_SQA_Status_Dashboard.pptx
@@ -5939,7 +5939,7 @@
             <a:avLst/>
           </a:prstGeom>
           <a:solidFill>
-            <a:srgbClr val="FFC000"/>
+            <a:srgbClr val="00D200"/>
           </a:solidFill>
           <a:ln>
             <a:noFill/>
@@ -6082,21 +6082,8 @@
                   <a:schemeClr val="bg1"/>
                 </a:solidFill>
               </a:rPr>
-              <a:t>Entry #</a:t>
-            </a:r>
-            <a:r>
-              <a:rPr lang="en-US" sz="900" b="1" dirty="0" err="1">
-                <a:solidFill>
-                  <a:schemeClr val="bg1"/>
-                </a:solidFill>
-              </a:rPr>
-              <a:t>xxxxx</a:t>
-            </a:r>
-            <a:endParaRPr lang="en-US" sz="900" b="1" dirty="0">
-              <a:solidFill>
-                <a:schemeClr val="bg1"/>
-              </a:solidFill>
-            </a:endParaRPr>
+              <a:t>Entry</a:t>
+            </a:r>
           </a:p>
         </p:txBody>
       </p:sp>
